--- a/examplePO.pptx
+++ b/examplePO.pptx
@@ -3655,6 +3655,100 @@
           <a:xfrm flipH="1">
             <a:off x="5300683" y="2414519"/>
             <a:ext cx="2078188" cy="1881913"/>
+          </a:xfrm>
+          <a:prstGeom prst="straightConnector1">
+            <a:avLst/>
+          </a:prstGeom>
+          <a:ln w="31750">
+            <a:solidFill>
+              <a:schemeClr val="tx1"/>
+            </a:solidFill>
+            <a:tailEnd type="triangle" w="lg" len="lg"/>
+          </a:ln>
+          <a:effectLst/>
+          <a:scene3d>
+            <a:camera prst="orthographicFront"/>
+            <a:lightRig rig="threePt" dir="t"/>
+          </a:scene3d>
+          <a:sp3d>
+            <a:bevelT w="0"/>
+          </a:sp3d>
+        </p:spPr>
+        <p:style>
+          <a:lnRef idx="2">
+            <a:schemeClr val="accent1"/>
+          </a:lnRef>
+          <a:fillRef idx="0">
+            <a:schemeClr val="accent1"/>
+          </a:fillRef>
+          <a:effectRef idx="1">
+            <a:schemeClr val="accent1"/>
+          </a:effectRef>
+          <a:fontRef idx="minor">
+            <a:schemeClr val="tx1"/>
+          </a:fontRef>
+        </p:style>
+      </p:cxnSp>
+      <p:cxnSp>
+        <p:nvCxnSpPr>
+          <p:cNvPr id="13" name="Straight Arrow Connector 12"/>
+          <p:cNvCxnSpPr>
+            <a:stCxn id="6" idx="4"/>
+            <a:endCxn id="9" idx="0"/>
+          </p:cNvCxnSpPr>
+          <p:nvPr/>
+        </p:nvCxnSpPr>
+        <p:spPr>
+          <a:xfrm>
+            <a:off x="5300683" y="3739286"/>
+            <a:ext cx="0" cy="557146"/>
+          </a:xfrm>
+          <a:prstGeom prst="straightConnector1">
+            <a:avLst/>
+          </a:prstGeom>
+          <a:ln w="31750">
+            <a:solidFill>
+              <a:schemeClr val="tx1"/>
+            </a:solidFill>
+            <a:tailEnd type="triangle" w="lg" len="lg"/>
+          </a:ln>
+          <a:effectLst/>
+          <a:scene3d>
+            <a:camera prst="orthographicFront"/>
+            <a:lightRig rig="threePt" dir="t"/>
+          </a:scene3d>
+          <a:sp3d>
+            <a:bevelT w="0"/>
+          </a:sp3d>
+        </p:spPr>
+        <p:style>
+          <a:lnRef idx="2">
+            <a:schemeClr val="accent1"/>
+          </a:lnRef>
+          <a:fillRef idx="0">
+            <a:schemeClr val="accent1"/>
+          </a:fillRef>
+          <a:effectRef idx="1">
+            <a:schemeClr val="accent1"/>
+          </a:effectRef>
+          <a:fontRef idx="minor">
+            <a:schemeClr val="tx1"/>
+          </a:fontRef>
+        </p:style>
+      </p:cxnSp>
+      <p:cxnSp>
+        <p:nvCxnSpPr>
+          <p:cNvPr id="16" name="Straight Arrow Connector 15"/>
+          <p:cNvCxnSpPr>
+            <a:stCxn id="7" idx="4"/>
+            <a:endCxn id="10" idx="0"/>
+          </p:cNvCxnSpPr>
+          <p:nvPr/>
+        </p:nvCxnSpPr>
+        <p:spPr>
+          <a:xfrm>
+            <a:off x="7378871" y="3739286"/>
+            <a:ext cx="0" cy="564357"/>
           </a:xfrm>
           <a:prstGeom prst="straightConnector1">
             <a:avLst/>
